--- a/セガ/自己紹介スライド_浜松廉斗.pptx
+++ b/セガ/自己紹介スライド_浜松廉斗.pptx
@@ -306,7 +306,7 @@
           <a:p>
             <a:fld id="{A442F811-62A1-4271-B7EC-6243EE49F59A}" type="datetimeFigureOut">
               <a:rPr kumimoji="1" lang="ja-JP" altLang="en-US" smtClean="0"/>
-              <a:t>2024/7/3</a:t>
+              <a:t>2024/7/16</a:t>
             </a:fld>
             <a:endParaRPr kumimoji="1" lang="ja-JP" altLang="en-US" dirty="0"/>
           </a:p>
@@ -1952,7 +1952,7 @@
           <a:graphicData uri="http://schemas.openxmlformats.org/presentationml/2006/ole">
             <mc:AlternateContent xmlns:mc="http://schemas.openxmlformats.org/markup-compatibility/2006">
               <mc:Choice xmlns:v="urn:schemas-microsoft-com:vml" Requires="v">
-                <p:oleObj spid="_x0000_s1027" name="think-cell スライド" r:id="rId4" imgW="528" imgH="528" progId="TCLayout.ActiveDocument.1">
+                <p:oleObj spid="_x0000_s1032" name="think-cell スライド" r:id="rId4" imgW="528" imgH="528" progId="TCLayout.ActiveDocument.1">
                   <p:embed/>
                 </p:oleObj>
               </mc:Choice>
@@ -2831,7 +2831,7 @@
           <a:graphicData uri="http://schemas.openxmlformats.org/presentationml/2006/ole">
             <mc:AlternateContent xmlns:mc="http://schemas.openxmlformats.org/markup-compatibility/2006">
               <mc:Choice xmlns:v="urn:schemas-microsoft-com:vml" Requires="v">
-                <p:oleObj spid="_x0000_s2051" name="think-cell スライド" r:id="rId4" imgW="528" imgH="528" progId="TCLayout.ActiveDocument.1">
+                <p:oleObj spid="_x0000_s2056" name="think-cell スライド" r:id="rId4" imgW="528" imgH="528" progId="TCLayout.ActiveDocument.1">
                   <p:embed/>
                 </p:oleObj>
               </mc:Choice>
@@ -3698,7 +3698,7 @@
           <a:graphicData uri="http://schemas.openxmlformats.org/presentationml/2006/ole">
             <mc:AlternateContent xmlns:mc="http://schemas.openxmlformats.org/markup-compatibility/2006">
               <mc:Choice xmlns:v="urn:schemas-microsoft-com:vml" Requires="v">
-                <p:oleObj spid="_x0000_s3075" name="think-cell スライド" r:id="rId4" imgW="528" imgH="528" progId="TCLayout.ActiveDocument.1">
+                <p:oleObj spid="_x0000_s3080" name="think-cell スライド" r:id="rId4" imgW="528" imgH="528" progId="TCLayout.ActiveDocument.1">
                   <p:embed/>
                 </p:oleObj>
               </mc:Choice>
@@ -6089,69 +6089,56 @@
           <a:lstStyle/>
           <a:p>
             <a:r>
-              <a:rPr lang="ja-JP" altLang="en-US" sz="2000" b="1" dirty="0"/>
-              <a:t>趣味</a:t>
-            </a:r>
-            <a:endParaRPr lang="en-US" altLang="ja-JP" sz="2000" b="1" dirty="0"/>
-          </a:p>
-          <a:p>
-            <a:r>
-              <a:rPr lang="ja-JP" altLang="en-US" sz="2000" b="1" dirty="0"/>
-              <a:t>外食</a:t>
+              <a:rPr lang="ja-JP" altLang="en-US" b="1" dirty="0"/>
+              <a:t>出身校は福岡情報</a:t>
             </a:r>
             <a:r>
-              <a:rPr lang="en-US" altLang="ja-JP" sz="2000" b="1" dirty="0"/>
-              <a:t>(</a:t>
+              <a:rPr lang="en-US" altLang="ja-JP" b="1" dirty="0"/>
+              <a:t>IT</a:t>
             </a:r>
             <a:r>
-              <a:rPr lang="ja-JP" altLang="en-US" sz="2000" b="1" dirty="0"/>
-              <a:t>ラーメン、肉系</a:t>
+              <a:rPr lang="ja-JP" altLang="en-US" b="1" dirty="0"/>
+              <a:t>クリエイター専門学校</a:t>
             </a:r>
+            <a:endParaRPr lang="en-US" altLang="ja-JP" b="1" dirty="0"/>
+          </a:p>
+          <a:p>
             <a:r>
-              <a:rPr lang="en-US" altLang="ja-JP" sz="2000" b="1" dirty="0"/>
-              <a:t>…</a:t>
+              <a:rPr lang="ja-JP" altLang="en-US" b="1" dirty="0"/>
+              <a:t>ゲームクリエイターコースです。</a:t>
             </a:r>
+            <a:endParaRPr lang="en-US" altLang="ja-JP" b="1" dirty="0"/>
+          </a:p>
+          <a:p>
             <a:r>
-              <a:rPr lang="en-US" altLang="ja-JP" sz="2000" b="1" dirty="0" err="1"/>
-              <a:t>etc</a:t>
+              <a:rPr lang="ja-JP" altLang="en-US" b="1" dirty="0"/>
+              <a:t>ゲーム制作全般を学んでいました。</a:t>
             </a:r>
+            <a:endParaRPr lang="en-US" altLang="ja-JP" b="1" dirty="0"/>
+          </a:p>
+          <a:p>
+            <a:endParaRPr lang="en-US" altLang="ja-JP" b="1" dirty="0"/>
+          </a:p>
+          <a:p>
             <a:r>
-              <a:rPr lang="en-US" altLang="ja-JP" sz="2000" b="1" dirty="0"/>
-              <a:t>)</a:t>
+              <a:rPr lang="ja-JP" altLang="en-US" b="1" dirty="0"/>
+              <a:t>趣味や特技は主に外食、ピアノ演奏、ゲームの三つです。</a:t>
             </a:r>
+            <a:endParaRPr lang="en-US" altLang="ja-JP" b="1" dirty="0"/>
+          </a:p>
+          <a:p>
             <a:r>
-              <a:rPr lang="ja-JP" altLang="en-US" sz="2000" b="1" dirty="0"/>
-              <a:t>、ピアノ演奏</a:t>
+              <a:rPr lang="ja-JP" altLang="en-US" b="1" dirty="0"/>
+              <a:t>中でも外食が好きなので機会があれば</a:t>
             </a:r>
+            <a:endParaRPr lang="en-US" altLang="ja-JP" b="1" dirty="0"/>
+          </a:p>
+          <a:p>
             <a:r>
-              <a:rPr lang="en-US" altLang="ja-JP" sz="2000" b="1" dirty="0"/>
-              <a:t>(</a:t>
+              <a:rPr lang="ja-JP" altLang="en-US" b="1" dirty="0"/>
+              <a:t>一緒に食べに行きましょう！</a:t>
             </a:r>
-            <a:r>
-              <a:rPr lang="ja-JP" altLang="en-US" sz="2000" b="1" dirty="0"/>
-              <a:t>様々なジャンルを弾いています。</a:t>
-            </a:r>
-            <a:r>
-              <a:rPr lang="en-US" altLang="ja-JP" sz="2000" b="1" dirty="0"/>
-              <a:t>)</a:t>
-            </a:r>
-            <a:r>
-              <a:rPr lang="ja-JP" altLang="en-US" sz="2000" b="1" dirty="0"/>
-              <a:t>、ゲーム</a:t>
-            </a:r>
-            <a:r>
-              <a:rPr lang="en-US" altLang="ja-JP" sz="2000" b="1" dirty="0"/>
-              <a:t>(</a:t>
-            </a:r>
-            <a:r>
-              <a:rPr lang="ja-JP" altLang="en-US" sz="2000" b="1" dirty="0"/>
-              <a:t>幅広いジャンルをプレイしています。</a:t>
-            </a:r>
-            <a:r>
-              <a:rPr lang="en-US" altLang="ja-JP" sz="2000" b="1"/>
-              <a:t>)</a:t>
-            </a:r>
-            <a:endParaRPr lang="en-US" altLang="ja-JP" sz="2000" b="1" dirty="0"/>
+            <a:endParaRPr lang="en-US" altLang="ja-JP" b="1" dirty="0"/>
           </a:p>
         </p:txBody>
       </p:sp>
@@ -6214,91 +6201,56 @@
             <a:pPr algn="ctr"/>
             <a:r>
               <a:rPr lang="ja-JP" altLang="en-US" sz="2000" b="1" dirty="0"/>
-              <a:t>他の内定者へのひとことを記載してください。</a:t>
+              <a:t>皆さんと共にゲームを制作できることを</a:t>
+            </a:r>
+            <a:endParaRPr lang="en-US" altLang="ja-JP" sz="2000" b="1" dirty="0"/>
+          </a:p>
+          <a:p>
+            <a:pPr algn="ctr"/>
+            <a:r>
+              <a:rPr lang="ja-JP" altLang="en-US" sz="2000" b="1" dirty="0"/>
+              <a:t>非常に楽しみにしています。</a:t>
             </a:r>
             <a:endParaRPr kumimoji="1" lang="ja-JP" altLang="en-US" sz="2000" b="1" dirty="0"/>
           </a:p>
         </p:txBody>
       </p:sp>
-      <p:sp>
-        <p:nvSpPr>
-          <p:cNvPr id="4" name="正方形/長方形 3">
+      <p:pic>
+        <p:nvPicPr>
+          <p:cNvPr id="8" name="図 7">
             <a:extLst>
               <a:ext uri="{FF2B5EF4-FFF2-40B4-BE49-F238E27FC236}">
-                <a16:creationId xmlns:a16="http://schemas.microsoft.com/office/drawing/2014/main" id="{B5E00544-A393-0852-BB1A-998227583EC8}"/>
+                <a16:creationId xmlns:a16="http://schemas.microsoft.com/office/drawing/2014/main" id="{FE3D0F97-0E27-4352-A347-E87BC093FE50}"/>
               </a:ext>
             </a:extLst>
           </p:cNvPr>
-          <p:cNvSpPr/>
+          <p:cNvPicPr>
+            <a:picLocks noChangeAspect="1"/>
+          </p:cNvPicPr>
           <p:nvPr/>
-        </p:nvSpPr>
+        </p:nvPicPr>
+        <p:blipFill>
+          <a:blip r:embed="rId3" cstate="print">
+            <a:extLst>
+              <a:ext uri="{28A0092B-C50C-407E-A947-70E740481C1C}">
+                <a14:useLocalDpi xmlns:a14="http://schemas.microsoft.com/office/drawing/2010/main" val="0"/>
+              </a:ext>
+            </a:extLst>
+          </a:blip>
+          <a:stretch>
+            <a:fillRect/>
+          </a:stretch>
+        </p:blipFill>
         <p:spPr>
           <a:xfrm>
-            <a:off x="7112000" y="1225996"/>
-            <a:ext cx="4479636" cy="5098472"/>
+            <a:off x="6909619" y="1924050"/>
+            <a:ext cx="4783615" cy="3587711"/>
           </a:xfrm>
           <a:prstGeom prst="rect">
             <a:avLst/>
           </a:prstGeom>
-          <a:solidFill>
-            <a:schemeClr val="accent4">
-              <a:lumMod val="40000"/>
-              <a:lumOff val="60000"/>
-            </a:schemeClr>
-          </a:solidFill>
-          <a:ln w="25400">
-            <a:noFill/>
-            <a:tailEnd type="none"/>
-          </a:ln>
-        </p:spPr>
-        <p:style>
-          <a:lnRef idx="1">
-            <a:schemeClr val="accent1"/>
-          </a:lnRef>
-          <a:fillRef idx="0">
-            <a:schemeClr val="accent1"/>
-          </a:fillRef>
-          <a:effectRef idx="0">
-            <a:schemeClr val="accent1"/>
-          </a:effectRef>
-          <a:fontRef idx="minor">
-            <a:schemeClr val="tx1"/>
-          </a:fontRef>
-        </p:style>
-        <p:txBody>
-          <a:bodyPr rot="0" spcFirstLastPara="0" vertOverflow="overflow" horzOverflow="overflow" vert="horz" wrap="square" lIns="91440" tIns="45720" rIns="91440" bIns="45720" numCol="1" spcCol="0" rtlCol="0" fromWordArt="0" anchor="ctr" anchorCtr="0" forceAA="0" compatLnSpc="1">
-            <a:prstTxWarp prst="textNoShape">
-              <a:avLst/>
-            </a:prstTxWarp>
-            <a:noAutofit/>
-          </a:bodyPr>
-          <a:lstStyle/>
-          <a:p>
-            <a:pPr algn="ctr"/>
-            <a:r>
-              <a:rPr kumimoji="1" lang="ja-JP" altLang="en-US" sz="2800" dirty="0"/>
-              <a:t>ご自身の写真や</a:t>
-            </a:r>
-            <a:endParaRPr kumimoji="1" lang="en-US" altLang="ja-JP" sz="2800" dirty="0"/>
-          </a:p>
-          <a:p>
-            <a:pPr algn="ctr"/>
-            <a:r>
-              <a:rPr lang="ja-JP" altLang="en-US" sz="2800" dirty="0"/>
-              <a:t>好きなものの写真を</a:t>
-            </a:r>
-            <a:endParaRPr lang="en-US" altLang="ja-JP" sz="2800" dirty="0"/>
-          </a:p>
-          <a:p>
-            <a:pPr algn="ctr"/>
-            <a:r>
-              <a:rPr lang="ja-JP" altLang="en-US" sz="2800" dirty="0"/>
-              <a:t>載せてください。</a:t>
-            </a:r>
-            <a:endParaRPr kumimoji="1" lang="ja-JP" altLang="en-US" sz="2800" dirty="0"/>
-          </a:p>
-        </p:txBody>
-      </p:sp>
+        </p:spPr>
+      </p:pic>
     </p:spTree>
     <p:extLst>
       <p:ext uri="{BB962C8B-B14F-4D97-AF65-F5344CB8AC3E}">
@@ -7828,21 +7780,6 @@
 </file>
 
 <file path=customXml/item1.xml><?xml version="1.0" encoding="utf-8"?>
-<p:properties xmlns:p="http://schemas.microsoft.com/office/2006/metadata/properties" xmlns:xsi="http://www.w3.org/2001/XMLSchema-instance" xmlns:pc="http://schemas.microsoft.com/office/infopath/2007/PartnerControls">
-  <documentManagement/>
-</p:properties>
-</file>
-
-<file path=customXml/item2.xml><?xml version="1.0" encoding="utf-8"?>
-<?mso-contentType ?>
-<FormTemplates xmlns="http://schemas.microsoft.com/sharepoint/v3/contenttype/forms">
-  <Display>DocumentLibraryForm</Display>
-  <Edit>DocumentLibraryForm</Edit>
-  <New>DocumentLibraryForm</New>
-</FormTemplates>
-</file>
-
-<file path=customXml/item3.xml><?xml version="1.0" encoding="utf-8"?>
 <ct:contentTypeSchema xmlns:ct="http://schemas.microsoft.com/office/2006/metadata/contentType" xmlns:ma="http://schemas.microsoft.com/office/2006/metadata/properties/metaAttributes" ct:_="" ma:_="" ma:contentTypeName="ドキュメント" ma:contentTypeID="0x010100B4FD56041C557B41B2A4DF0FDF5B84D3" ma:contentTypeVersion="2" ma:contentTypeDescription="新しいドキュメントを作成します。" ma:contentTypeScope="" ma:versionID="87fbf75dbb030c870c981b168f2a295f">
   <xsd:schema xmlns:xsd="http://www.w3.org/2001/XMLSchema" xmlns:xs="http://www.w3.org/2001/XMLSchema" xmlns:p="http://schemas.microsoft.com/office/2006/metadata/properties" xmlns:ns2="c5e16b00-d0dd-4d61-a3f4-f481987b945d" targetNamespace="http://schemas.microsoft.com/office/2006/metadata/properties" ma:root="true" ma:fieldsID="a4c2ed21a4a3904958429466dd7be845" ns2:_="">
     <xsd:import namespace="c5e16b00-d0dd-4d61-a3f4-f481987b945d"/>
@@ -7974,24 +7911,22 @@
 </ct:contentTypeSchema>
 </file>
 
-<file path=customXml/itemProps1.xml><?xml version="1.0" encoding="utf-8"?>
-<ds:datastoreItem xmlns:ds="http://schemas.openxmlformats.org/officeDocument/2006/customXml" ds:itemID="{92736240-EFE4-4A06-8B9D-D4488758C9C5}">
-  <ds:schemaRefs>
-    <ds:schemaRef ds:uri="http://schemas.microsoft.com/office/2006/metadata/properties"/>
-    <ds:schemaRef ds:uri="http://schemas.microsoft.com/office/infopath/2007/PartnerControls"/>
-  </ds:schemaRefs>
-</ds:datastoreItem>
+<file path=customXml/item2.xml><?xml version="1.0" encoding="utf-8"?>
+<?mso-contentType ?>
+<FormTemplates xmlns="http://schemas.microsoft.com/sharepoint/v3/contenttype/forms">
+  <Display>DocumentLibraryForm</Display>
+  <Edit>DocumentLibraryForm</Edit>
+  <New>DocumentLibraryForm</New>
+</FormTemplates>
 </file>
 
-<file path=customXml/itemProps2.xml><?xml version="1.0" encoding="utf-8"?>
-<ds:datastoreItem xmlns:ds="http://schemas.openxmlformats.org/officeDocument/2006/customXml" ds:itemID="{5086F0A9-BE9A-45F3-B20C-E4AE846BA1C7}">
-  <ds:schemaRefs>
-    <ds:schemaRef ds:uri="http://schemas.microsoft.com/sharepoint/v3/contenttype/forms"/>
-  </ds:schemaRefs>
-</ds:datastoreItem>
+<file path=customXml/item3.xml><?xml version="1.0" encoding="utf-8"?>
+<p:properties xmlns:p="http://schemas.microsoft.com/office/2006/metadata/properties" xmlns:xsi="http://www.w3.org/2001/XMLSchema-instance" xmlns:pc="http://schemas.microsoft.com/office/infopath/2007/PartnerControls">
+  <documentManagement/>
+</p:properties>
 </file>
 
-<file path=customXml/itemProps3.xml><?xml version="1.0" encoding="utf-8"?>
+<file path=customXml/itemProps1.xml><?xml version="1.0" encoding="utf-8"?>
 <ds:datastoreItem xmlns:ds="http://schemas.openxmlformats.org/officeDocument/2006/customXml" ds:itemID="{14DD999C-884C-4C69-8C88-3B5E75729436}">
   <ds:schemaRefs>
     <ds:schemaRef ds:uri="http://schemas.microsoft.com/office/2006/metadata/contentType"/>
@@ -8007,4 +7942,21 @@
     <ds:schemaRef ds:uri="http://schemas.microsoft.com/internal/obd"/>
   </ds:schemaRefs>
 </ds:datastoreItem>
+</file>
+
+<file path=customXml/itemProps2.xml><?xml version="1.0" encoding="utf-8"?>
+<ds:datastoreItem xmlns:ds="http://schemas.openxmlformats.org/officeDocument/2006/customXml" ds:itemID="{5086F0A9-BE9A-45F3-B20C-E4AE846BA1C7}">
+  <ds:schemaRefs>
+    <ds:schemaRef ds:uri="http://schemas.microsoft.com/sharepoint/v3/contenttype/forms"/>
+  </ds:schemaRefs>
+</ds:datastoreItem>
+</file>
+
+<file path=customXml/itemProps3.xml><?xml version="1.0" encoding="utf-8"?>
+<ds:datastoreItem xmlns:ds="http://schemas.openxmlformats.org/officeDocument/2006/customXml" ds:itemID="{92736240-EFE4-4A06-8B9D-D4488758C9C5}">
+  <ds:schemaRefs>
+    <ds:schemaRef ds:uri="http://schemas.microsoft.com/office/2006/metadata/properties"/>
+    <ds:schemaRef ds:uri="http://schemas.microsoft.com/office/infopath/2007/PartnerControls"/>
+  </ds:schemaRefs>
+</ds:datastoreItem>
 </file>